--- a/slides.pptx
+++ b/slides.pptx
@@ -5,15 +5,18 @@
     <p:sldMasterId id="2147483648" r:id="rId1"/>
   </p:sldMasterIdLst>
   <p:sldIdLst>
-    <p:sldId id="258" r:id="rId2"/>
-    <p:sldId id="259" r:id="rId3"/>
-    <p:sldId id="256" r:id="rId4"/>
-    <p:sldId id="264" r:id="rId5"/>
-    <p:sldId id="260" r:id="rId6"/>
-    <p:sldId id="263" r:id="rId7"/>
-    <p:sldId id="261" r:id="rId8"/>
-    <p:sldId id="262" r:id="rId9"/>
-    <p:sldId id="257" r:id="rId10"/>
+    <p:sldId id="266" r:id="rId2"/>
+    <p:sldId id="267" r:id="rId3"/>
+    <p:sldId id="258" r:id="rId4"/>
+    <p:sldId id="259" r:id="rId5"/>
+    <p:sldId id="265" r:id="rId6"/>
+    <p:sldId id="256" r:id="rId7"/>
+    <p:sldId id="264" r:id="rId8"/>
+    <p:sldId id="260" r:id="rId9"/>
+    <p:sldId id="263" r:id="rId10"/>
+    <p:sldId id="261" r:id="rId11"/>
+    <p:sldId id="262" r:id="rId12"/>
+    <p:sldId id="257" r:id="rId13"/>
   </p:sldIdLst>
   <p:sldSz cx="12192000" cy="6858000"/>
   <p:notesSz cx="6858000" cy="9144000"/>
@@ -267,7 +270,7 @@
           <a:p>
             <a:fld id="{46D55D79-4CD0-9646-9E86-FA40A3325C8F}" type="datetimeFigureOut">
               <a:rPr lang="en-US" smtClean="0"/>
-              <a:t>9/28/21</a:t>
+              <a:t>9/29/21</a:t>
             </a:fld>
             <a:endParaRPr lang="en-US"/>
           </a:p>
@@ -465,7 +468,7 @@
           <a:p>
             <a:fld id="{46D55D79-4CD0-9646-9E86-FA40A3325C8F}" type="datetimeFigureOut">
               <a:rPr lang="en-US" smtClean="0"/>
-              <a:t>9/28/21</a:t>
+              <a:t>9/29/21</a:t>
             </a:fld>
             <a:endParaRPr lang="en-US"/>
           </a:p>
@@ -673,7 +676,7 @@
           <a:p>
             <a:fld id="{46D55D79-4CD0-9646-9E86-FA40A3325C8F}" type="datetimeFigureOut">
               <a:rPr lang="en-US" smtClean="0"/>
-              <a:t>9/28/21</a:t>
+              <a:t>9/29/21</a:t>
             </a:fld>
             <a:endParaRPr lang="en-US"/>
           </a:p>
@@ -871,7 +874,7 @@
           <a:p>
             <a:fld id="{46D55D79-4CD0-9646-9E86-FA40A3325C8F}" type="datetimeFigureOut">
               <a:rPr lang="en-US" smtClean="0"/>
-              <a:t>9/28/21</a:t>
+              <a:t>9/29/21</a:t>
             </a:fld>
             <a:endParaRPr lang="en-US"/>
           </a:p>
@@ -1146,7 +1149,7 @@
           <a:p>
             <a:fld id="{46D55D79-4CD0-9646-9E86-FA40A3325C8F}" type="datetimeFigureOut">
               <a:rPr lang="en-US" smtClean="0"/>
-              <a:t>9/28/21</a:t>
+              <a:t>9/29/21</a:t>
             </a:fld>
             <a:endParaRPr lang="en-US"/>
           </a:p>
@@ -1411,7 +1414,7 @@
           <a:p>
             <a:fld id="{46D55D79-4CD0-9646-9E86-FA40A3325C8F}" type="datetimeFigureOut">
               <a:rPr lang="en-US" smtClean="0"/>
-              <a:t>9/28/21</a:t>
+              <a:t>9/29/21</a:t>
             </a:fld>
             <a:endParaRPr lang="en-US"/>
           </a:p>
@@ -1823,7 +1826,7 @@
           <a:p>
             <a:fld id="{46D55D79-4CD0-9646-9E86-FA40A3325C8F}" type="datetimeFigureOut">
               <a:rPr lang="en-US" smtClean="0"/>
-              <a:t>9/28/21</a:t>
+              <a:t>9/29/21</a:t>
             </a:fld>
             <a:endParaRPr lang="en-US"/>
           </a:p>
@@ -1964,7 +1967,7 @@
           <a:p>
             <a:fld id="{46D55D79-4CD0-9646-9E86-FA40A3325C8F}" type="datetimeFigureOut">
               <a:rPr lang="en-US" smtClean="0"/>
-              <a:t>9/28/21</a:t>
+              <a:t>9/29/21</a:t>
             </a:fld>
             <a:endParaRPr lang="en-US"/>
           </a:p>
@@ -2077,7 +2080,7 @@
           <a:p>
             <a:fld id="{46D55D79-4CD0-9646-9E86-FA40A3325C8F}" type="datetimeFigureOut">
               <a:rPr lang="en-US" smtClean="0"/>
-              <a:t>9/28/21</a:t>
+              <a:t>9/29/21</a:t>
             </a:fld>
             <a:endParaRPr lang="en-US"/>
           </a:p>
@@ -2388,7 +2391,7 @@
           <a:p>
             <a:fld id="{46D55D79-4CD0-9646-9E86-FA40A3325C8F}" type="datetimeFigureOut">
               <a:rPr lang="en-US" smtClean="0"/>
-              <a:t>9/28/21</a:t>
+              <a:t>9/29/21</a:t>
             </a:fld>
             <a:endParaRPr lang="en-US"/>
           </a:p>
@@ -2676,7 +2679,7 @@
           <a:p>
             <a:fld id="{46D55D79-4CD0-9646-9E86-FA40A3325C8F}" type="datetimeFigureOut">
               <a:rPr lang="en-US" smtClean="0"/>
-              <a:t>9/28/21</a:t>
+              <a:t>9/29/21</a:t>
             </a:fld>
             <a:endParaRPr lang="en-US"/>
           </a:p>
@@ -2917,7 +2920,7 @@
           <a:p>
             <a:fld id="{46D55D79-4CD0-9646-9E86-FA40A3325C8F}" type="datetimeFigureOut">
               <a:rPr lang="en-US" smtClean="0"/>
-              <a:t>9/28/21</a:t>
+              <a:t>9/29/21</a:t>
             </a:fld>
             <a:endParaRPr lang="en-US"/>
           </a:p>
@@ -3320,6 +3323,14 @@
 <file path=ppt/slides/slide1.xml><?xml version="1.0" encoding="utf-8"?>
 <p:sld xmlns:a="http://schemas.openxmlformats.org/drawingml/2006/main" xmlns:r="http://schemas.openxmlformats.org/officeDocument/2006/relationships" xmlns:p="http://schemas.openxmlformats.org/presentationml/2006/main">
   <p:cSld>
+    <p:bg>
+      <p:bgPr>
+        <a:solidFill>
+          <a:schemeClr val="tx1"/>
+        </a:solidFill>
+        <a:effectLst/>
+      </p:bgPr>
+    </p:bg>
     <p:spTree>
       <p:nvGrpSpPr>
         <p:cNvPr id="1" name=""/>
@@ -3334,40 +3345,120 @@
           <a:chExt cx="0" cy="0"/>
         </a:xfrm>
       </p:grpSpPr>
-      <p:sp>
-        <p:nvSpPr>
-          <p:cNvPr id="2" name="Title 1">
-            <a:extLst>
-              <a:ext uri="{FF2B5EF4-FFF2-40B4-BE49-F238E27FC236}">
-                <a16:creationId xmlns:a16="http://schemas.microsoft.com/office/drawing/2014/main" id="{CD36C401-B37E-3D49-9210-B632CB2DDE6E}"/>
-              </a:ext>
-            </a:extLst>
-          </p:cNvPr>
-          <p:cNvSpPr>
-            <a:spLocks noGrp="1"/>
-          </p:cNvSpPr>
-          <p:nvPr>
-            <p:ph type="title"/>
-          </p:nvPr>
+      <p:pic>
+        <p:nvPicPr>
+          <p:cNvPr id="1026" name="Picture 2" descr="Agent | Matrix Wiki | Fandom">
+            <a:extLst>
+              <a:ext uri="{FF2B5EF4-FFF2-40B4-BE49-F238E27FC236}">
+                <a16:creationId xmlns:a16="http://schemas.microsoft.com/office/drawing/2014/main" id="{B5A40FFD-B939-5F46-B644-923A6147DBF5}"/>
+              </a:ext>
+            </a:extLst>
+          </p:cNvPr>
+          <p:cNvPicPr>
+            <a:picLocks noChangeAspect="1" noChangeArrowheads="1"/>
+          </p:cNvPicPr>
+          <p:nvPr/>
+        </p:nvPicPr>
+        <p:blipFill>
+          <a:blip r:embed="rId2">
+            <a:extLst>
+              <a:ext uri="{28A0092B-C50C-407E-A947-70E740481C1C}">
+                <a14:useLocalDpi xmlns:a14="http://schemas.microsoft.com/office/drawing/2010/main" val="0"/>
+              </a:ext>
+            </a:extLst>
+          </a:blip>
+          <a:srcRect/>
+          <a:stretch>
+            <a:fillRect/>
+          </a:stretch>
+        </p:blipFill>
+        <p:spPr bwMode="auto">
+          <a:xfrm>
+            <a:off x="0" y="889000"/>
+            <a:ext cx="12192000" cy="5080000"/>
+          </a:xfrm>
+          <a:prstGeom prst="rect">
+            <a:avLst/>
+          </a:prstGeom>
+          <a:noFill/>
+          <a:extLst>
+            <a:ext uri="{909E8E84-426E-40DD-AFC4-6F175D3DCCD1}">
+              <a14:hiddenFill xmlns:a14="http://schemas.microsoft.com/office/drawing/2010/main">
+                <a:solidFill>
+                  <a:srgbClr val="FFFFFF"/>
+                </a:solidFill>
+              </a14:hiddenFill>
+            </a:ext>
+          </a:extLst>
+        </p:spPr>
+      </p:pic>
+      <p:sp>
+        <p:nvSpPr>
+          <p:cNvPr id="4" name="TextBox 3">
+            <a:extLst>
+              <a:ext uri="{FF2B5EF4-FFF2-40B4-BE49-F238E27FC236}">
+                <a16:creationId xmlns:a16="http://schemas.microsoft.com/office/drawing/2014/main" id="{DF2BF099-41D1-D54A-A0F0-18C126C10D5D}"/>
+              </a:ext>
+            </a:extLst>
+          </p:cNvPr>
+          <p:cNvSpPr txBox="1"/>
+          <p:nvPr/>
         </p:nvSpPr>
         <p:spPr>
           <a:xfrm>
-            <a:off x="838200" y="2766218"/>
-            <a:ext cx="10515600" cy="1325563"/>
+            <a:off x="0" y="6211669"/>
+            <a:ext cx="11121081" cy="646331"/>
           </a:xfrm>
+          <a:prstGeom prst="rect">
+            <a:avLst/>
+          </a:prstGeom>
+          <a:noFill/>
         </p:spPr>
         <p:txBody>
-          <a:bodyPr>
-            <a:noAutofit/>
+          <a:bodyPr wrap="square" rtlCol="0">
+            <a:spAutoFit/>
           </a:bodyPr>
           <a:lstStyle/>
           <a:p>
-            <a:pPr algn="ctr"/>
-            <a:r>
-              <a:rPr lang="en-US" sz="9600" dirty="0">
-                <a:latin typeface="Gill Sans MT" panose="020B0502020104020203" pitchFamily="34" charset="77"/>
+            <a:r>
+              <a:rPr lang="en-US" dirty="0">
+                <a:solidFill>
+                  <a:schemeClr val="accent3"/>
+                </a:solidFill>
               </a:rPr>
-              <a:t>Fear</a:t>
+              <a:t>https://</a:t>
+            </a:r>
+            <a:r>
+              <a:rPr lang="en-US" dirty="0" err="1">
+                <a:solidFill>
+                  <a:schemeClr val="accent3"/>
+                </a:solidFill>
+              </a:rPr>
+              <a:t>static.wikia.nocookie.net</a:t>
+            </a:r>
+            <a:r>
+              <a:rPr lang="en-US" dirty="0">
+                <a:solidFill>
+                  <a:schemeClr val="accent3"/>
+                </a:solidFill>
+              </a:rPr>
+              <a:t>/matrix/images/0/01/</a:t>
+            </a:r>
+            <a:r>
+              <a:rPr lang="en-US" dirty="0" err="1">
+                <a:solidFill>
+                  <a:schemeClr val="accent3"/>
+                </a:solidFill>
+              </a:rPr>
+              <a:t>Agents.png</a:t>
+            </a:r>
+            <a:r>
+              <a:rPr lang="en-US" dirty="0">
+                <a:solidFill>
+                  <a:schemeClr val="accent3"/>
+                </a:solidFill>
+              </a:rPr>
+              <a:t>/revision/latest/scale-to-width-down/1920?cb=20190202144738</a:t>
             </a:r>
           </a:p>
         </p:txBody>
@@ -3375,7 +3466,7 @@
     </p:spTree>
     <p:extLst>
       <p:ext uri="{BB962C8B-B14F-4D97-AF65-F5344CB8AC3E}">
-        <p14:creationId xmlns:p14="http://schemas.microsoft.com/office/powerpoint/2010/main" val="2920700808"/>
+        <p14:creationId xmlns:p14="http://schemas.microsoft.com/office/powerpoint/2010/main" val="2608438244"/>
       </p:ext>
     </p:extLst>
   </p:cSld>
@@ -3385,7 +3476,7 @@
 </p:sld>
 </file>
 
-<file path=ppt/slides/slide2.xml><?xml version="1.0" encoding="utf-8"?>
+<file path=ppt/slides/slide10.xml><?xml version="1.0" encoding="utf-8"?>
 <p:sld xmlns:a="http://schemas.openxmlformats.org/drawingml/2006/main" xmlns:r="http://schemas.openxmlformats.org/officeDocument/2006/relationships" xmlns:p="http://schemas.openxmlformats.org/presentationml/2006/main">
   <p:cSld>
     <p:spTree>
@@ -3402,6 +3493,609 @@
           <a:chExt cx="0" cy="0"/>
         </a:xfrm>
       </p:grpSpPr>
+      <p:pic>
+        <p:nvPicPr>
+          <p:cNvPr id="5" name="Picture 4" descr="Chart, histogram&#10;&#10;Description automatically generated">
+            <a:extLst>
+              <a:ext uri="{FF2B5EF4-FFF2-40B4-BE49-F238E27FC236}">
+                <a16:creationId xmlns:a16="http://schemas.microsoft.com/office/drawing/2014/main" id="{1794AE7B-140A-AA4E-ADB9-E942802CE00A}"/>
+              </a:ext>
+            </a:extLst>
+          </p:cNvPr>
+          <p:cNvPicPr>
+            <a:picLocks noChangeAspect="1"/>
+          </p:cNvPicPr>
+          <p:nvPr/>
+        </p:nvPicPr>
+        <p:blipFill>
+          <a:blip r:embed="rId2"/>
+          <a:stretch>
+            <a:fillRect/>
+          </a:stretch>
+        </p:blipFill>
+        <p:spPr>
+          <a:xfrm>
+            <a:off x="0" y="1467584"/>
+            <a:ext cx="12192000" cy="4095825"/>
+          </a:xfrm>
+          <a:prstGeom prst="rect">
+            <a:avLst/>
+          </a:prstGeom>
+        </p:spPr>
+      </p:pic>
+      <p:sp>
+        <p:nvSpPr>
+          <p:cNvPr id="6" name="TextBox 5">
+            <a:extLst>
+              <a:ext uri="{FF2B5EF4-FFF2-40B4-BE49-F238E27FC236}">
+                <a16:creationId xmlns:a16="http://schemas.microsoft.com/office/drawing/2014/main" id="{463150A1-068A-674F-8E31-DBCA6371F997}"/>
+              </a:ext>
+            </a:extLst>
+          </p:cNvPr>
+          <p:cNvSpPr txBox="1"/>
+          <p:nvPr/>
+        </p:nvSpPr>
+        <p:spPr>
+          <a:xfrm>
+            <a:off x="0" y="5708822"/>
+            <a:ext cx="11022227" cy="954107"/>
+          </a:xfrm>
+          <a:prstGeom prst="rect">
+            <a:avLst/>
+          </a:prstGeom>
+          <a:noFill/>
+        </p:spPr>
+        <p:txBody>
+          <a:bodyPr wrap="square" rtlCol="0">
+            <a:spAutoFit/>
+          </a:bodyPr>
+          <a:lstStyle/>
+          <a:p>
+            <a:r>
+              <a:rPr lang="en-US" sz="2800" dirty="0">
+                <a:latin typeface="Gill Sans MT" panose="020B0502020104020203" pitchFamily="34" charset="77"/>
+              </a:rPr>
+              <a:t>Probability of estimating the treatment to be negative/harmful: </a:t>
+            </a:r>
+            <a:r>
+              <a:rPr lang="en-US" sz="2800" b="1" dirty="0">
+                <a:latin typeface="Gill Sans MT" panose="020B0502020104020203" pitchFamily="34" charset="77"/>
+              </a:rPr>
+              <a:t>0.042</a:t>
+            </a:r>
+          </a:p>
+          <a:p>
+            <a:r>
+              <a:rPr lang="en-US" sz="2800" dirty="0">
+                <a:latin typeface="Gill Sans MT" panose="020B0502020104020203" pitchFamily="34" charset="77"/>
+              </a:rPr>
+              <a:t>Probability of estimating that the treatment is twice as good as it is: </a:t>
+            </a:r>
+            <a:r>
+              <a:rPr lang="en-US" sz="2800" b="1" dirty="0">
+                <a:latin typeface="Gill Sans MT" panose="020B0502020104020203" pitchFamily="34" charset="77"/>
+              </a:rPr>
+              <a:t>0.046</a:t>
+            </a:r>
+          </a:p>
+        </p:txBody>
+      </p:sp>
+      <p:sp>
+        <p:nvSpPr>
+          <p:cNvPr id="7" name="TextBox 6">
+            <a:extLst>
+              <a:ext uri="{FF2B5EF4-FFF2-40B4-BE49-F238E27FC236}">
+                <a16:creationId xmlns:a16="http://schemas.microsoft.com/office/drawing/2014/main" id="{395B4CF6-F2AF-7345-9736-F34BD445F173}"/>
+              </a:ext>
+            </a:extLst>
+          </p:cNvPr>
+          <p:cNvSpPr txBox="1"/>
+          <p:nvPr/>
+        </p:nvSpPr>
+        <p:spPr>
+          <a:xfrm>
+            <a:off x="0" y="0"/>
+            <a:ext cx="12192000" cy="1077218"/>
+          </a:xfrm>
+          <a:prstGeom prst="rect">
+            <a:avLst/>
+          </a:prstGeom>
+          <a:noFill/>
+        </p:spPr>
+        <p:txBody>
+          <a:bodyPr wrap="square" rtlCol="0">
+            <a:spAutoFit/>
+          </a:bodyPr>
+          <a:lstStyle/>
+          <a:p>
+            <a:r>
+              <a:rPr lang="en-US" sz="3200" dirty="0">
+                <a:latin typeface="Gill Sans MT" panose="020B0502020104020203" pitchFamily="34" charset="77"/>
+              </a:rPr>
+              <a:t>Simulation of a t-test example. Sample size of 100, variance in outcome of 50, mean difference of 2.5 for treatment compared to placebo</a:t>
+            </a:r>
+          </a:p>
+        </p:txBody>
+      </p:sp>
+    </p:spTree>
+    <p:extLst>
+      <p:ext uri="{BB962C8B-B14F-4D97-AF65-F5344CB8AC3E}">
+        <p14:creationId xmlns:p14="http://schemas.microsoft.com/office/powerpoint/2010/main" val="2707473711"/>
+      </p:ext>
+    </p:extLst>
+  </p:cSld>
+  <p:clrMapOvr>
+    <a:masterClrMapping/>
+  </p:clrMapOvr>
+</p:sld>
+</file>
+
+<file path=ppt/slides/slide11.xml><?xml version="1.0" encoding="utf-8"?>
+<p:sld xmlns:a="http://schemas.openxmlformats.org/drawingml/2006/main" xmlns:r="http://schemas.openxmlformats.org/officeDocument/2006/relationships" xmlns:p="http://schemas.openxmlformats.org/presentationml/2006/main">
+  <p:cSld>
+    <p:spTree>
+      <p:nvGrpSpPr>
+        <p:cNvPr id="1" name=""/>
+        <p:cNvGrpSpPr/>
+        <p:nvPr/>
+      </p:nvGrpSpPr>
+      <p:grpSpPr>
+        <a:xfrm>
+          <a:off x="0" y="0"/>
+          <a:ext cx="0" cy="0"/>
+          <a:chOff x="0" y="0"/>
+          <a:chExt cx="0" cy="0"/>
+        </a:xfrm>
+      </p:grpSpPr>
+      <p:sp>
+        <p:nvSpPr>
+          <p:cNvPr id="2" name="Title 1">
+            <a:extLst>
+              <a:ext uri="{FF2B5EF4-FFF2-40B4-BE49-F238E27FC236}">
+                <a16:creationId xmlns:a16="http://schemas.microsoft.com/office/drawing/2014/main" id="{BFF11009-D783-4B43-A91D-C8B44838D193}"/>
+              </a:ext>
+            </a:extLst>
+          </p:cNvPr>
+          <p:cNvSpPr>
+            <a:spLocks noGrp="1"/>
+          </p:cNvSpPr>
+          <p:nvPr>
+            <p:ph type="title"/>
+          </p:nvPr>
+        </p:nvSpPr>
+        <p:spPr>
+          <a:xfrm>
+            <a:off x="838200" y="0"/>
+            <a:ext cx="10515600" cy="1325563"/>
+          </a:xfrm>
+        </p:spPr>
+        <p:txBody>
+          <a:bodyPr/>
+          <a:lstStyle/>
+          <a:p>
+            <a:r>
+              <a:rPr lang="en-US" dirty="0">
+                <a:latin typeface="Gill Sans MT" panose="020B0502020104020203" pitchFamily="34" charset="77"/>
+              </a:rPr>
+              <a:t>Calculating power activity</a:t>
+            </a:r>
+          </a:p>
+        </p:txBody>
+      </p:sp>
+      <p:sp>
+        <p:nvSpPr>
+          <p:cNvPr id="3" name="Content Placeholder 2">
+            <a:extLst>
+              <a:ext uri="{FF2B5EF4-FFF2-40B4-BE49-F238E27FC236}">
+                <a16:creationId xmlns:a16="http://schemas.microsoft.com/office/drawing/2014/main" id="{E792EC3A-1504-B049-8948-6953DE1DD68F}"/>
+              </a:ext>
+            </a:extLst>
+          </p:cNvPr>
+          <p:cNvSpPr>
+            <a:spLocks noGrp="1"/>
+          </p:cNvSpPr>
+          <p:nvPr>
+            <p:ph idx="1"/>
+          </p:nvPr>
+        </p:nvSpPr>
+        <p:spPr>
+          <a:xfrm>
+            <a:off x="0" y="1253331"/>
+            <a:ext cx="12192000" cy="5604669"/>
+          </a:xfrm>
+        </p:spPr>
+        <p:txBody>
+          <a:bodyPr>
+            <a:normAutofit fontScale="92500" lnSpcReduction="10000"/>
+          </a:bodyPr>
+          <a:lstStyle/>
+          <a:p>
+            <a:pPr marL="0" indent="0">
+              <a:buNone/>
+            </a:pPr>
+            <a:r>
+              <a:rPr lang="en-US" dirty="0">
+                <a:latin typeface="Gill Sans MT" panose="020B0502020104020203" pitchFamily="34" charset="77"/>
+              </a:rPr>
+              <a:t>You are designing a study of a new chemotherapy treatment compared to standard therapy. Your outcome of interest is percent change in tumor size after 3 months of therapy. You expect a 10% reduction in tumor size with the standard therapy, as well as a 15% reduction in size with the new therapy. You also know that participant sex and age are important predictors of tumor size reduction. Women are expected to have 2.5% more reduction in tumor size compared to men, regardless of treatment received. Also, for every 1 year increase in age, tumor size is expected to grow by 0.01%. For this particular cancer, 10% of the population are men and the mean and standard deviation of age are 62 and 3, respectively. You plan to perform 1:1 randomization of </a:t>
+            </a:r>
+            <a:r>
+              <a:rPr lang="en-US" dirty="0" err="1">
+                <a:latin typeface="Gill Sans MT" panose="020B0502020104020203" pitchFamily="34" charset="77"/>
+              </a:rPr>
+              <a:t>treatment:control</a:t>
+            </a:r>
+            <a:r>
+              <a:rPr lang="en-US" dirty="0">
+                <a:latin typeface="Gill Sans MT" panose="020B0502020104020203" pitchFamily="34" charset="77"/>
+              </a:rPr>
+              <a:t>. The variance in reduction in tumor size after 3 months </a:t>
+            </a:r>
+            <a:r>
+              <a:rPr lang="en-US">
+                <a:latin typeface="Gill Sans MT" panose="020B0502020104020203" pitchFamily="34" charset="77"/>
+              </a:rPr>
+              <a:t>is 20</a:t>
+            </a:r>
+            <a:r>
+              <a:rPr lang="en-US" dirty="0">
+                <a:latin typeface="Gill Sans MT" panose="020B0502020104020203" pitchFamily="34" charset="77"/>
+              </a:rPr>
+              <a:t>%, after accounting for treatment, sex, and age.</a:t>
+            </a:r>
+          </a:p>
+          <a:p>
+            <a:pPr marL="0" indent="0">
+              <a:buNone/>
+            </a:pPr>
+            <a:endParaRPr lang="en-US" dirty="0">
+              <a:latin typeface="Gill Sans MT" panose="020B0502020104020203" pitchFamily="34" charset="77"/>
+            </a:endParaRPr>
+          </a:p>
+          <a:p>
+            <a:pPr marL="0" indent="0">
+              <a:buNone/>
+            </a:pPr>
+            <a:r>
+              <a:rPr lang="en-US" dirty="0">
+                <a:latin typeface="Gill Sans MT" panose="020B0502020104020203" pitchFamily="34" charset="77"/>
+              </a:rPr>
+              <a:t>Through trial and error, find the approximate number of participants you need to achieve 90% power to reject the null hypothesis that the tumor reduction is the same in the new chemotherapy and standard therapy groups. Write 3 sentences you would put in a grant application to describe your power calculation.</a:t>
+            </a:r>
+          </a:p>
+        </p:txBody>
+      </p:sp>
+    </p:spTree>
+    <p:extLst>
+      <p:ext uri="{BB962C8B-B14F-4D97-AF65-F5344CB8AC3E}">
+        <p14:creationId xmlns:p14="http://schemas.microsoft.com/office/powerpoint/2010/main" val="3226418307"/>
+      </p:ext>
+    </p:extLst>
+  </p:cSld>
+  <p:clrMapOvr>
+    <a:masterClrMapping/>
+  </p:clrMapOvr>
+</p:sld>
+</file>
+
+<file path=ppt/slides/slide12.xml><?xml version="1.0" encoding="utf-8"?>
+<p:sld xmlns:a="http://schemas.openxmlformats.org/drawingml/2006/main" xmlns:r="http://schemas.openxmlformats.org/officeDocument/2006/relationships" xmlns:p="http://schemas.openxmlformats.org/presentationml/2006/main">
+  <p:cSld>
+    <p:spTree>
+      <p:nvGrpSpPr>
+        <p:cNvPr id="1" name=""/>
+        <p:cNvGrpSpPr/>
+        <p:nvPr/>
+      </p:nvGrpSpPr>
+      <p:grpSpPr>
+        <a:xfrm>
+          <a:off x="0" y="0"/>
+          <a:ext cx="0" cy="0"/>
+          <a:chOff x="0" y="0"/>
+          <a:chExt cx="0" cy="0"/>
+        </a:xfrm>
+      </p:grpSpPr>
+      <p:sp>
+        <p:nvSpPr>
+          <p:cNvPr id="4" name="TextBox 3">
+            <a:extLst>
+              <a:ext uri="{FF2B5EF4-FFF2-40B4-BE49-F238E27FC236}">
+                <a16:creationId xmlns:a16="http://schemas.microsoft.com/office/drawing/2014/main" id="{56058FB1-F53A-A042-BFD8-CA0AE131D3A1}"/>
+              </a:ext>
+            </a:extLst>
+          </p:cNvPr>
+          <p:cNvSpPr txBox="1"/>
+          <p:nvPr/>
+        </p:nvSpPr>
+        <p:spPr>
+          <a:xfrm>
+            <a:off x="0" y="357353"/>
+            <a:ext cx="12192000" cy="4524315"/>
+          </a:xfrm>
+          <a:prstGeom prst="rect">
+            <a:avLst/>
+          </a:prstGeom>
+          <a:noFill/>
+        </p:spPr>
+        <p:txBody>
+          <a:bodyPr wrap="square" rtlCol="0">
+            <a:spAutoFit/>
+          </a:bodyPr>
+          <a:lstStyle/>
+          <a:p>
+            <a:r>
+              <a:rPr lang="en-US" sz="7200" dirty="0">
+                <a:latin typeface="Gill Sans MT" panose="020B0502020104020203" pitchFamily="34" charset="77"/>
+              </a:rPr>
+              <a:t>“Plans are worthless, but planning is everything.” </a:t>
+            </a:r>
+          </a:p>
+          <a:p>
+            <a:endParaRPr lang="en-US" sz="7200" dirty="0">
+              <a:latin typeface="Gill Sans MT" panose="020B0502020104020203" pitchFamily="34" charset="77"/>
+            </a:endParaRPr>
+          </a:p>
+          <a:p>
+            <a:r>
+              <a:rPr lang="en-US" sz="7200" dirty="0">
+                <a:latin typeface="Gill Sans MT" panose="020B0502020104020203" pitchFamily="34" charset="77"/>
+              </a:rPr>
+              <a:t>-- President Eisenhower</a:t>
+            </a:r>
+          </a:p>
+        </p:txBody>
+      </p:sp>
+    </p:spTree>
+    <p:extLst>
+      <p:ext uri="{BB962C8B-B14F-4D97-AF65-F5344CB8AC3E}">
+        <p14:creationId xmlns:p14="http://schemas.microsoft.com/office/powerpoint/2010/main" val="2705623442"/>
+      </p:ext>
+    </p:extLst>
+  </p:cSld>
+  <p:clrMapOvr>
+    <a:masterClrMapping/>
+  </p:clrMapOvr>
+</p:sld>
+</file>
+
+<file path=ppt/slides/slide2.xml><?xml version="1.0" encoding="utf-8"?>
+<p:sld xmlns:a="http://schemas.openxmlformats.org/drawingml/2006/main" xmlns:r="http://schemas.openxmlformats.org/officeDocument/2006/relationships" xmlns:p="http://schemas.openxmlformats.org/presentationml/2006/main">
+  <p:cSld>
+    <p:bg>
+      <p:bgPr>
+        <a:solidFill>
+          <a:schemeClr val="tx1"/>
+        </a:solidFill>
+        <a:effectLst/>
+      </p:bgPr>
+    </p:bg>
+    <p:spTree>
+      <p:nvGrpSpPr>
+        <p:cNvPr id="1" name=""/>
+        <p:cNvGrpSpPr/>
+        <p:nvPr/>
+      </p:nvGrpSpPr>
+      <p:grpSpPr>
+        <a:xfrm>
+          <a:off x="0" y="0"/>
+          <a:ext cx="0" cy="0"/>
+          <a:chOff x="0" y="0"/>
+          <a:chExt cx="0" cy="0"/>
+        </a:xfrm>
+      </p:grpSpPr>
+      <p:pic>
+        <p:nvPicPr>
+          <p:cNvPr id="2052" name="Picture 4" descr="How does &amp;#39;seeing the code&amp;#39; help Neo? - Science Fiction &amp;amp; Fantasy Stack  Exchange">
+            <a:extLst>
+              <a:ext uri="{FF2B5EF4-FFF2-40B4-BE49-F238E27FC236}">
+                <a16:creationId xmlns:a16="http://schemas.microsoft.com/office/drawing/2014/main" id="{1778270A-00C5-694A-B108-96AB232A9508}"/>
+              </a:ext>
+            </a:extLst>
+          </p:cNvPr>
+          <p:cNvPicPr>
+            <a:picLocks noChangeAspect="1" noChangeArrowheads="1"/>
+          </p:cNvPicPr>
+          <p:nvPr/>
+        </p:nvPicPr>
+        <p:blipFill>
+          <a:blip r:embed="rId2">
+            <a:extLst>
+              <a:ext uri="{28A0092B-C50C-407E-A947-70E740481C1C}">
+                <a14:useLocalDpi xmlns:a14="http://schemas.microsoft.com/office/drawing/2010/main" val="0"/>
+              </a:ext>
+            </a:extLst>
+          </a:blip>
+          <a:srcRect/>
+          <a:stretch>
+            <a:fillRect/>
+          </a:stretch>
+        </p:blipFill>
+        <p:spPr bwMode="auto">
+          <a:xfrm>
+            <a:off x="2940050" y="1035050"/>
+            <a:ext cx="6311900" cy="4787900"/>
+          </a:xfrm>
+          <a:prstGeom prst="rect">
+            <a:avLst/>
+          </a:prstGeom>
+          <a:noFill/>
+          <a:extLst>
+            <a:ext uri="{909E8E84-426E-40DD-AFC4-6F175D3DCCD1}">
+              <a14:hiddenFill xmlns:a14="http://schemas.microsoft.com/office/drawing/2010/main">
+                <a:solidFill>
+                  <a:srgbClr val="FFFFFF"/>
+                </a:solidFill>
+              </a14:hiddenFill>
+            </a:ext>
+          </a:extLst>
+        </p:spPr>
+      </p:pic>
+      <p:sp>
+        <p:nvSpPr>
+          <p:cNvPr id="4" name="TextBox 3">
+            <a:extLst>
+              <a:ext uri="{FF2B5EF4-FFF2-40B4-BE49-F238E27FC236}">
+                <a16:creationId xmlns:a16="http://schemas.microsoft.com/office/drawing/2014/main" id="{C9E2D848-5B3B-F34F-9E59-8FB9F2FB8A25}"/>
+              </a:ext>
+            </a:extLst>
+          </p:cNvPr>
+          <p:cNvSpPr txBox="1"/>
+          <p:nvPr/>
+        </p:nvSpPr>
+        <p:spPr>
+          <a:xfrm>
+            <a:off x="86498" y="6413156"/>
+            <a:ext cx="3756454" cy="369332"/>
+          </a:xfrm>
+          <a:prstGeom prst="rect">
+            <a:avLst/>
+          </a:prstGeom>
+          <a:noFill/>
+        </p:spPr>
+        <p:txBody>
+          <a:bodyPr wrap="square" rtlCol="0">
+            <a:spAutoFit/>
+          </a:bodyPr>
+          <a:lstStyle/>
+          <a:p>
+            <a:r>
+              <a:rPr lang="en-US" dirty="0">
+                <a:solidFill>
+                  <a:schemeClr val="accent3"/>
+                </a:solidFill>
+              </a:rPr>
+              <a:t>https://</a:t>
+            </a:r>
+            <a:r>
+              <a:rPr lang="en-US" dirty="0" err="1">
+                <a:solidFill>
+                  <a:schemeClr val="accent3"/>
+                </a:solidFill>
+              </a:rPr>
+              <a:t>i.stack.imgur.com</a:t>
+            </a:r>
+            <a:r>
+              <a:rPr lang="en-US" dirty="0">
+                <a:solidFill>
+                  <a:schemeClr val="accent3"/>
+                </a:solidFill>
+              </a:rPr>
+              <a:t>/</a:t>
+            </a:r>
+            <a:r>
+              <a:rPr lang="en-US" dirty="0" err="1">
+                <a:solidFill>
+                  <a:schemeClr val="accent3"/>
+                </a:solidFill>
+              </a:rPr>
+              <a:t>zymAc.gif</a:t>
+            </a:r>
+            <a:endParaRPr lang="en-US" dirty="0">
+              <a:solidFill>
+                <a:schemeClr val="accent3"/>
+              </a:solidFill>
+            </a:endParaRPr>
+          </a:p>
+        </p:txBody>
+      </p:sp>
+    </p:spTree>
+    <p:extLst>
+      <p:ext uri="{BB962C8B-B14F-4D97-AF65-F5344CB8AC3E}">
+        <p14:creationId xmlns:p14="http://schemas.microsoft.com/office/powerpoint/2010/main" val="662768739"/>
+      </p:ext>
+    </p:extLst>
+  </p:cSld>
+  <p:clrMapOvr>
+    <a:masterClrMapping/>
+  </p:clrMapOvr>
+</p:sld>
+</file>
+
+<file path=ppt/slides/slide3.xml><?xml version="1.0" encoding="utf-8"?>
+<p:sld xmlns:a="http://schemas.openxmlformats.org/drawingml/2006/main" xmlns:r="http://schemas.openxmlformats.org/officeDocument/2006/relationships" xmlns:p="http://schemas.openxmlformats.org/presentationml/2006/main">
+  <p:cSld>
+    <p:spTree>
+      <p:nvGrpSpPr>
+        <p:cNvPr id="1" name=""/>
+        <p:cNvGrpSpPr/>
+        <p:nvPr/>
+      </p:nvGrpSpPr>
+      <p:grpSpPr>
+        <a:xfrm>
+          <a:off x="0" y="0"/>
+          <a:ext cx="0" cy="0"/>
+          <a:chOff x="0" y="0"/>
+          <a:chExt cx="0" cy="0"/>
+        </a:xfrm>
+      </p:grpSpPr>
+      <p:sp>
+        <p:nvSpPr>
+          <p:cNvPr id="2" name="Title 1">
+            <a:extLst>
+              <a:ext uri="{FF2B5EF4-FFF2-40B4-BE49-F238E27FC236}">
+                <a16:creationId xmlns:a16="http://schemas.microsoft.com/office/drawing/2014/main" id="{CD36C401-B37E-3D49-9210-B632CB2DDE6E}"/>
+              </a:ext>
+            </a:extLst>
+          </p:cNvPr>
+          <p:cNvSpPr>
+            <a:spLocks noGrp="1"/>
+          </p:cNvSpPr>
+          <p:nvPr>
+            <p:ph type="title"/>
+          </p:nvPr>
+        </p:nvSpPr>
+        <p:spPr>
+          <a:xfrm>
+            <a:off x="838200" y="2766218"/>
+            <a:ext cx="10515600" cy="1325563"/>
+          </a:xfrm>
+        </p:spPr>
+        <p:txBody>
+          <a:bodyPr>
+            <a:noAutofit/>
+          </a:bodyPr>
+          <a:lstStyle/>
+          <a:p>
+            <a:pPr algn="ctr"/>
+            <a:r>
+              <a:rPr lang="en-US" sz="9600" dirty="0">
+                <a:latin typeface="Gill Sans MT" panose="020B0502020104020203" pitchFamily="34" charset="77"/>
+              </a:rPr>
+              <a:t>Fear</a:t>
+            </a:r>
+          </a:p>
+        </p:txBody>
+      </p:sp>
+    </p:spTree>
+    <p:extLst>
+      <p:ext uri="{BB962C8B-B14F-4D97-AF65-F5344CB8AC3E}">
+        <p14:creationId xmlns:p14="http://schemas.microsoft.com/office/powerpoint/2010/main" val="2920700808"/>
+      </p:ext>
+    </p:extLst>
+  </p:cSld>
+  <p:clrMapOvr>
+    <a:masterClrMapping/>
+  </p:clrMapOvr>
+</p:sld>
+</file>
+
+<file path=ppt/slides/slide4.xml><?xml version="1.0" encoding="utf-8"?>
+<p:sld xmlns:a="http://schemas.openxmlformats.org/drawingml/2006/main" xmlns:r="http://schemas.openxmlformats.org/officeDocument/2006/relationships" xmlns:p="http://schemas.openxmlformats.org/presentationml/2006/main">
+  <p:cSld>
+    <p:spTree>
+      <p:nvGrpSpPr>
+        <p:cNvPr id="1" name=""/>
+        <p:cNvGrpSpPr/>
+        <p:nvPr/>
+      </p:nvGrpSpPr>
+      <p:grpSpPr>
+        <a:xfrm>
+          <a:off x="0" y="0"/>
+          <a:ext cx="0" cy="0"/>
+          <a:chOff x="0" y="0"/>
+          <a:chExt cx="0" cy="0"/>
+        </a:xfrm>
+      </p:grpSpPr>
       <p:sp>
         <p:nvSpPr>
           <p:cNvPr id="2" name="Title 1">
@@ -3452,7 +4146,206 @@
 </p:sld>
 </file>
 
-<file path=ppt/slides/slide3.xml><?xml version="1.0" encoding="utf-8"?>
+<file path=ppt/slides/slide5.xml><?xml version="1.0" encoding="utf-8"?>
+<p:sld xmlns:a="http://schemas.openxmlformats.org/drawingml/2006/main" xmlns:r="http://schemas.openxmlformats.org/officeDocument/2006/relationships" xmlns:p="http://schemas.openxmlformats.org/presentationml/2006/main">
+  <p:cSld>
+    <p:spTree>
+      <p:nvGrpSpPr>
+        <p:cNvPr id="1" name=""/>
+        <p:cNvGrpSpPr/>
+        <p:nvPr/>
+      </p:nvGrpSpPr>
+      <p:grpSpPr>
+        <a:xfrm>
+          <a:off x="0" y="0"/>
+          <a:ext cx="0" cy="0"/>
+          <a:chOff x="0" y="0"/>
+          <a:chExt cx="0" cy="0"/>
+        </a:xfrm>
+      </p:grpSpPr>
+      <mc:AlternateContent xmlns:mc="http://schemas.openxmlformats.org/markup-compatibility/2006">
+        <mc:Choice xmlns:a14="http://schemas.microsoft.com/office/drawing/2010/main" Requires="a14">
+          <p:sp>
+            <p:nvSpPr>
+              <p:cNvPr id="3" name="Content Placeholder 2">
+                <a:extLst>
+                  <a:ext uri="{FF2B5EF4-FFF2-40B4-BE49-F238E27FC236}">
+                    <a16:creationId xmlns:a16="http://schemas.microsoft.com/office/drawing/2014/main" id="{25FEF719-8CF3-E441-92F1-EBD9483924E6}"/>
+                  </a:ext>
+                </a:extLst>
+              </p:cNvPr>
+              <p:cNvSpPr>
+                <a:spLocks noGrp="1"/>
+              </p:cNvSpPr>
+              <p:nvPr>
+                <p:ph idx="1"/>
+              </p:nvPr>
+            </p:nvSpPr>
+            <p:spPr>
+              <a:xfrm>
+                <a:off x="0" y="3101592"/>
+                <a:ext cx="12192000" cy="654816"/>
+              </a:xfrm>
+            </p:spPr>
+            <p:txBody>
+              <a:bodyPr>
+                <a:normAutofit/>
+              </a:bodyPr>
+              <a:lstStyle/>
+              <a:p>
+                <a:pPr marL="0" indent="0" algn="ctr">
+                  <a:buNone/>
+                </a:pPr>
+                <a14:m>
+                  <m:oMathPara xmlns:m="http://schemas.openxmlformats.org/officeDocument/2006/math">
+                    <m:oMathParaPr>
+                      <m:jc m:val="centerGroup"/>
+                    </m:oMathParaPr>
+                    <m:oMath xmlns:m="http://schemas.openxmlformats.org/officeDocument/2006/math">
+                      <m:r>
+                        <a:rPr lang="en-US" sz="3200" b="0" i="1" smtClean="0">
+                          <a:latin typeface="Cambria Math" panose="02040503050406030204" pitchFamily="18" charset="0"/>
+                        </a:rPr>
+                        <m:t>𝑂𝑢𝑡𝑐𝑜𝑚𝑒</m:t>
+                      </m:r>
+                      <m:r>
+                        <a:rPr lang="en-US" sz="3200" b="0" i="1" smtClean="0">
+                          <a:latin typeface="Cambria Math" panose="02040503050406030204" pitchFamily="18" charset="0"/>
+                        </a:rPr>
+                        <m:t> ~ </m:t>
+                      </m:r>
+                      <m:r>
+                        <a:rPr lang="en-US" sz="3200" b="0" i="1" smtClean="0">
+                          <a:latin typeface="Cambria Math" panose="02040503050406030204" pitchFamily="18" charset="0"/>
+                        </a:rPr>
+                        <m:t>𝑁𝑜𝑟𝑚𝑎𝑙</m:t>
+                      </m:r>
+                      <m:r>
+                        <a:rPr lang="en-US" sz="3200" b="0" i="1" smtClean="0">
+                          <a:latin typeface="Cambria Math" panose="02040503050406030204" pitchFamily="18" charset="0"/>
+                        </a:rPr>
+                        <m:t>(</m:t>
+                      </m:r>
+                      <m:r>
+                        <a:rPr lang="en-US" sz="3200" b="0" i="1" smtClean="0">
+                          <a:latin typeface="Cambria Math" panose="02040503050406030204" pitchFamily="18" charset="0"/>
+                          <a:ea typeface="Cambria Math" panose="02040503050406030204" pitchFamily="18" charset="0"/>
+                        </a:rPr>
+                        <m:t>𝜇</m:t>
+                      </m:r>
+                      <m:r>
+                        <a:rPr lang="en-US" sz="3200" b="0" i="1" smtClean="0">
+                          <a:latin typeface="Cambria Math" panose="02040503050406030204" pitchFamily="18" charset="0"/>
+                          <a:ea typeface="Cambria Math" panose="02040503050406030204" pitchFamily="18" charset="0"/>
+                        </a:rPr>
+                        <m:t>=10+</m:t>
+                      </m:r>
+                      <m:r>
+                        <a:rPr lang="en-US" sz="3200" b="0" i="1" smtClean="0">
+                          <a:latin typeface="Cambria Math" panose="02040503050406030204" pitchFamily="18" charset="0"/>
+                        </a:rPr>
+                        <m:t>𝑡𝑟𝑒𝑎𝑡𝑚𝑒𝑛𝑡</m:t>
+                      </m:r>
+                      <m:r>
+                        <a:rPr lang="en-US" sz="3200" b="0" i="1" smtClean="0">
+                          <a:latin typeface="Cambria Math" panose="02040503050406030204" pitchFamily="18" charset="0"/>
+                        </a:rPr>
+                        <m:t>∗2.5 −</m:t>
+                      </m:r>
+                      <m:r>
+                        <a:rPr lang="en-US" sz="3200" b="0" i="1" smtClean="0">
+                          <a:latin typeface="Cambria Math" panose="02040503050406030204" pitchFamily="18" charset="0"/>
+                        </a:rPr>
+                        <m:t>𝑎𝑔𝑒</m:t>
+                      </m:r>
+                      <m:r>
+                        <a:rPr lang="en-US" sz="3200" b="0" i="1" smtClean="0">
+                          <a:latin typeface="Cambria Math" panose="02040503050406030204" pitchFamily="18" charset="0"/>
+                        </a:rPr>
+                        <m:t>∗10, </m:t>
+                      </m:r>
+                      <m:r>
+                        <a:rPr lang="en-US" sz="3200" b="0" i="1" smtClean="0">
+                          <a:latin typeface="Cambria Math" panose="02040503050406030204" pitchFamily="18" charset="0"/>
+                          <a:ea typeface="Cambria Math" panose="02040503050406030204" pitchFamily="18" charset="0"/>
+                        </a:rPr>
+                        <m:t>𝜎</m:t>
+                      </m:r>
+                      <m:r>
+                        <a:rPr lang="en-US" sz="3200" b="0" i="1" smtClean="0">
+                          <a:latin typeface="Cambria Math" panose="02040503050406030204" pitchFamily="18" charset="0"/>
+                          <a:ea typeface="Cambria Math" panose="02040503050406030204" pitchFamily="18" charset="0"/>
+                        </a:rPr>
+                        <m:t>=10) </m:t>
+                      </m:r>
+                    </m:oMath>
+                  </m:oMathPara>
+                </a14:m>
+                <a:endParaRPr lang="en-US" sz="3200" dirty="0">
+                  <a:latin typeface="Gill Sans MT" panose="020B0502020104020203" pitchFamily="34" charset="77"/>
+                </a:endParaRPr>
+              </a:p>
+            </p:txBody>
+          </p:sp>
+        </mc:Choice>
+        <mc:Fallback>
+          <p:sp>
+            <p:nvSpPr>
+              <p:cNvPr id="3" name="Content Placeholder 2">
+                <a:extLst>
+                  <a:ext uri="{FF2B5EF4-FFF2-40B4-BE49-F238E27FC236}">
+                    <a16:creationId xmlns:a16="http://schemas.microsoft.com/office/drawing/2014/main" id="{25FEF719-8CF3-E441-92F1-EBD9483924E6}"/>
+                  </a:ext>
+                </a:extLst>
+              </p:cNvPr>
+              <p:cNvSpPr>
+                <a:spLocks noGrp="1" noRot="1" noChangeAspect="1" noMove="1" noResize="1" noEditPoints="1" noAdjustHandles="1" noChangeArrowheads="1" noChangeShapeType="1" noTextEdit="1"/>
+              </p:cNvSpPr>
+              <p:nvPr>
+                <p:ph idx="1"/>
+              </p:nvPr>
+            </p:nvSpPr>
+            <p:spPr>
+              <a:xfrm>
+                <a:off x="0" y="3101592"/>
+                <a:ext cx="12192000" cy="654816"/>
+              </a:xfrm>
+              <a:blipFill>
+                <a:blip r:embed="rId2"/>
+                <a:stretch>
+                  <a:fillRect l="-520" t="-5769" b="-5769"/>
+                </a:stretch>
+              </a:blipFill>
+            </p:spPr>
+            <p:txBody>
+              <a:bodyPr/>
+              <a:lstStyle/>
+              <a:p>
+                <a:r>
+                  <a:rPr lang="en-US">
+                    <a:noFill/>
+                  </a:rPr>
+                  <a:t> </a:t>
+                </a:r>
+              </a:p>
+            </p:txBody>
+          </p:sp>
+        </mc:Fallback>
+      </mc:AlternateContent>
+    </p:spTree>
+    <p:extLst>
+      <p:ext uri="{BB962C8B-B14F-4D97-AF65-F5344CB8AC3E}">
+        <p14:creationId xmlns:p14="http://schemas.microsoft.com/office/powerpoint/2010/main" val="2053170345"/>
+      </p:ext>
+    </p:extLst>
+  </p:cSld>
+  <p:clrMapOvr>
+    <a:masterClrMapping/>
+  </p:clrMapOvr>
+</p:sld>
+</file>
+
+<file path=ppt/slides/slide6.xml><?xml version="1.0" encoding="utf-8"?>
 <p:sld xmlns:a="http://schemas.openxmlformats.org/drawingml/2006/main" xmlns:r="http://schemas.openxmlformats.org/officeDocument/2006/relationships" xmlns:p="http://schemas.openxmlformats.org/presentationml/2006/main">
   <p:cSld>
     <p:spTree>
@@ -4131,343 +5024,6 @@
 </p:sld>
 </file>
 
-<file path=ppt/slides/slide4.xml><?xml version="1.0" encoding="utf-8"?>
-<p:sld xmlns:a="http://schemas.openxmlformats.org/drawingml/2006/main" xmlns:r="http://schemas.openxmlformats.org/officeDocument/2006/relationships" xmlns:p="http://schemas.openxmlformats.org/presentationml/2006/main">
-  <p:cSld>
-    <p:spTree>
-      <p:nvGrpSpPr>
-        <p:cNvPr id="1" name=""/>
-        <p:cNvGrpSpPr/>
-        <p:nvPr/>
-      </p:nvGrpSpPr>
-      <p:grpSpPr>
-        <a:xfrm>
-          <a:off x="0" y="0"/>
-          <a:ext cx="0" cy="0"/>
-          <a:chOff x="0" y="0"/>
-          <a:chExt cx="0" cy="0"/>
-        </a:xfrm>
-      </p:grpSpPr>
-      <p:sp>
-        <p:nvSpPr>
-          <p:cNvPr id="2" name="Title 1">
-            <a:extLst>
-              <a:ext uri="{FF2B5EF4-FFF2-40B4-BE49-F238E27FC236}">
-                <a16:creationId xmlns:a16="http://schemas.microsoft.com/office/drawing/2014/main" id="{00AE576F-68E0-E544-9B7D-FA3FCB756F26}"/>
-              </a:ext>
-            </a:extLst>
-          </p:cNvPr>
-          <p:cNvSpPr>
-            <a:spLocks noGrp="1"/>
-          </p:cNvSpPr>
-          <p:nvPr>
-            <p:ph type="title"/>
-          </p:nvPr>
-        </p:nvSpPr>
-        <p:spPr/>
-        <p:txBody>
-          <a:bodyPr>
-            <a:normAutofit/>
-          </a:bodyPr>
-          <a:lstStyle/>
-          <a:p>
-            <a:r>
-              <a:rPr lang="en-US" sz="7200" dirty="0">
-                <a:latin typeface="Gill Sans MT" panose="020B0502020104020203" pitchFamily="34" charset="77"/>
-              </a:rPr>
-              <a:t>Increasing power activity</a:t>
-            </a:r>
-          </a:p>
-        </p:txBody>
-      </p:sp>
-      <p:sp>
-        <p:nvSpPr>
-          <p:cNvPr id="3" name="Content Placeholder 2">
-            <a:extLst>
-              <a:ext uri="{FF2B5EF4-FFF2-40B4-BE49-F238E27FC236}">
-                <a16:creationId xmlns:a16="http://schemas.microsoft.com/office/drawing/2014/main" id="{F3735733-D4C2-5A43-AFCC-EFF1D4626224}"/>
-              </a:ext>
-            </a:extLst>
-          </p:cNvPr>
-          <p:cNvSpPr>
-            <a:spLocks noGrp="1"/>
-          </p:cNvSpPr>
-          <p:nvPr>
-            <p:ph idx="1"/>
-          </p:nvPr>
-        </p:nvSpPr>
-        <p:spPr/>
-        <p:txBody>
-          <a:bodyPr>
-            <a:normAutofit/>
-          </a:bodyPr>
-          <a:lstStyle/>
-          <a:p>
-            <a:pPr marL="0" indent="0">
-              <a:buNone/>
-            </a:pPr>
-            <a:endParaRPr lang="en-US" sz="4800" dirty="0">
-              <a:latin typeface="Gill Sans MT" panose="020B0502020104020203" pitchFamily="34" charset="77"/>
-            </a:endParaRPr>
-          </a:p>
-          <a:p>
-            <a:pPr marL="0" indent="0">
-              <a:buNone/>
-            </a:pPr>
-            <a:r>
-              <a:rPr lang="en-US" sz="4800" dirty="0">
-                <a:latin typeface="Gill Sans MT" panose="020B0502020104020203" pitchFamily="34" charset="77"/>
-              </a:rPr>
-              <a:t>Using the diagram, list 3 ways to increase power besides increasing the sample size.</a:t>
-            </a:r>
-          </a:p>
-        </p:txBody>
-      </p:sp>
-    </p:spTree>
-    <p:extLst>
-      <p:ext uri="{BB962C8B-B14F-4D97-AF65-F5344CB8AC3E}">
-        <p14:creationId xmlns:p14="http://schemas.microsoft.com/office/powerpoint/2010/main" val="1501642068"/>
-      </p:ext>
-    </p:extLst>
-  </p:cSld>
-  <p:clrMapOvr>
-    <a:masterClrMapping/>
-  </p:clrMapOvr>
-</p:sld>
-</file>
-
-<file path=ppt/slides/slide5.xml><?xml version="1.0" encoding="utf-8"?>
-<p:sld xmlns:a="http://schemas.openxmlformats.org/drawingml/2006/main" xmlns:r="http://schemas.openxmlformats.org/officeDocument/2006/relationships" xmlns:p="http://schemas.openxmlformats.org/presentationml/2006/main">
-  <p:cSld>
-    <p:spTree>
-      <p:nvGrpSpPr>
-        <p:cNvPr id="1" name=""/>
-        <p:cNvGrpSpPr/>
-        <p:nvPr/>
-      </p:nvGrpSpPr>
-      <p:grpSpPr>
-        <a:xfrm>
-          <a:off x="0" y="0"/>
-          <a:ext cx="0" cy="0"/>
-          <a:chOff x="0" y="0"/>
-          <a:chExt cx="0" cy="0"/>
-        </a:xfrm>
-      </p:grpSpPr>
-      <p:sp>
-        <p:nvSpPr>
-          <p:cNvPr id="2" name="Title 1">
-            <a:extLst>
-              <a:ext uri="{FF2B5EF4-FFF2-40B4-BE49-F238E27FC236}">
-                <a16:creationId xmlns:a16="http://schemas.microsoft.com/office/drawing/2014/main" id="{CD36C401-B37E-3D49-9210-B632CB2DDE6E}"/>
-              </a:ext>
-            </a:extLst>
-          </p:cNvPr>
-          <p:cNvSpPr>
-            <a:spLocks noGrp="1"/>
-          </p:cNvSpPr>
-          <p:nvPr>
-            <p:ph type="title"/>
-          </p:nvPr>
-        </p:nvSpPr>
-        <p:spPr>
-          <a:xfrm>
-            <a:off x="0" y="0"/>
-            <a:ext cx="12192000" cy="6858000"/>
-          </a:xfrm>
-        </p:spPr>
-        <p:txBody>
-          <a:bodyPr>
-            <a:noAutofit/>
-          </a:bodyPr>
-          <a:lstStyle/>
-          <a:p>
-            <a:r>
-              <a:rPr lang="en-US" sz="7200" dirty="0">
-                <a:latin typeface="Gill Sans MT" panose="020B0502020104020203" pitchFamily="34" charset="77"/>
-              </a:rPr>
-              <a:t>You can estimate how often this happens using derived equations, or by simulating the experiment many times and calculating how often you reject the null hypothesis.</a:t>
-            </a:r>
-          </a:p>
-        </p:txBody>
-      </p:sp>
-    </p:spTree>
-    <p:extLst>
-      <p:ext uri="{BB962C8B-B14F-4D97-AF65-F5344CB8AC3E}">
-        <p14:creationId xmlns:p14="http://schemas.microsoft.com/office/powerpoint/2010/main" val="2484549415"/>
-      </p:ext>
-    </p:extLst>
-  </p:cSld>
-  <p:clrMapOvr>
-    <a:masterClrMapping/>
-  </p:clrMapOvr>
-</p:sld>
-</file>
-
-<file path=ppt/slides/slide6.xml><?xml version="1.0" encoding="utf-8"?>
-<p:sld xmlns:a="http://schemas.openxmlformats.org/drawingml/2006/main" xmlns:r="http://schemas.openxmlformats.org/officeDocument/2006/relationships" xmlns:p="http://schemas.openxmlformats.org/presentationml/2006/main">
-  <p:cSld>
-    <p:spTree>
-      <p:nvGrpSpPr>
-        <p:cNvPr id="1" name=""/>
-        <p:cNvGrpSpPr/>
-        <p:nvPr/>
-      </p:nvGrpSpPr>
-      <p:grpSpPr>
-        <a:xfrm>
-          <a:off x="0" y="0"/>
-          <a:ext cx="0" cy="0"/>
-          <a:chOff x="0" y="0"/>
-          <a:chExt cx="0" cy="0"/>
-        </a:xfrm>
-      </p:grpSpPr>
-      <p:sp>
-        <p:nvSpPr>
-          <p:cNvPr id="2" name="Title 1">
-            <a:extLst>
-              <a:ext uri="{FF2B5EF4-FFF2-40B4-BE49-F238E27FC236}">
-                <a16:creationId xmlns:a16="http://schemas.microsoft.com/office/drawing/2014/main" id="{6DD9D810-6F63-3946-84AF-73B57C777867}"/>
-              </a:ext>
-            </a:extLst>
-          </p:cNvPr>
-          <p:cNvSpPr>
-            <a:spLocks noGrp="1"/>
-          </p:cNvSpPr>
-          <p:nvPr>
-            <p:ph type="title"/>
-          </p:nvPr>
-        </p:nvSpPr>
-        <p:spPr>
-          <a:xfrm>
-            <a:off x="0" y="365125"/>
-            <a:ext cx="12192000" cy="1325563"/>
-          </a:xfrm>
-        </p:spPr>
-        <p:txBody>
-          <a:bodyPr>
-            <a:normAutofit/>
-          </a:bodyPr>
-          <a:lstStyle/>
-          <a:p>
-            <a:r>
-              <a:rPr lang="en-US" sz="7200" dirty="0">
-                <a:latin typeface="Gill Sans MT" panose="020B0502020104020203" pitchFamily="34" charset="77"/>
-              </a:rPr>
-              <a:t>Limitations of power</a:t>
-            </a:r>
-          </a:p>
-        </p:txBody>
-      </p:sp>
-      <p:sp>
-        <p:nvSpPr>
-          <p:cNvPr id="3" name="Content Placeholder 2">
-            <a:extLst>
-              <a:ext uri="{FF2B5EF4-FFF2-40B4-BE49-F238E27FC236}">
-                <a16:creationId xmlns:a16="http://schemas.microsoft.com/office/drawing/2014/main" id="{858CC951-1906-1F44-A8FA-62B3D656FE65}"/>
-              </a:ext>
-            </a:extLst>
-          </p:cNvPr>
-          <p:cNvSpPr>
-            <a:spLocks noGrp="1"/>
-          </p:cNvSpPr>
-          <p:nvPr>
-            <p:ph idx="1"/>
-          </p:nvPr>
-        </p:nvSpPr>
-        <p:spPr>
-          <a:xfrm>
-            <a:off x="-1" y="1825624"/>
-            <a:ext cx="12191999" cy="5032375"/>
-          </a:xfrm>
-        </p:spPr>
-        <p:txBody>
-          <a:bodyPr>
-            <a:noAutofit/>
-          </a:bodyPr>
-          <a:lstStyle/>
-          <a:p>
-            <a:pPr marL="514350" indent="-514350">
-              <a:buFont typeface="+mj-lt"/>
-              <a:buAutoNum type="arabicPeriod"/>
-            </a:pPr>
-            <a:r>
-              <a:rPr lang="en-US" sz="3600" dirty="0">
-                <a:latin typeface="Gill Sans MT" panose="020B0502020104020203" pitchFamily="34" charset="77"/>
-              </a:rPr>
-              <a:t>A type 2 error / false negative is one of only several ways you can be wrong. (</a:t>
-            </a:r>
-            <a:r>
-              <a:rPr lang="en-US" sz="3600" i="1" dirty="0">
-                <a:latin typeface="Gill Sans MT" panose="020B0502020104020203" pitchFamily="34" charset="77"/>
-              </a:rPr>
-              <a:t>Poll)</a:t>
-            </a:r>
-            <a:endParaRPr lang="en-US" sz="3600" dirty="0">
-              <a:latin typeface="Gill Sans MT" panose="020B0502020104020203" pitchFamily="34" charset="77"/>
-            </a:endParaRPr>
-          </a:p>
-          <a:p>
-            <a:pPr marL="514350" indent="-514350">
-              <a:buFont typeface="+mj-lt"/>
-              <a:buAutoNum type="arabicPeriod"/>
-            </a:pPr>
-            <a:r>
-              <a:rPr lang="en-US" sz="3600" dirty="0">
-                <a:latin typeface="Gill Sans MT" panose="020B0502020104020203" pitchFamily="34" charset="77"/>
-              </a:rPr>
-              <a:t>A given power calculation relies on many </a:t>
-            </a:r>
-            <a:r>
-              <a:rPr lang="en-US" sz="3600" i="1" dirty="0">
-                <a:latin typeface="Gill Sans MT" panose="020B0502020104020203" pitchFamily="34" charset="77"/>
-              </a:rPr>
-              <a:t>specific</a:t>
-            </a:r>
-            <a:r>
-              <a:rPr lang="en-US" sz="3600" dirty="0">
-                <a:latin typeface="Gill Sans MT" panose="020B0502020104020203" pitchFamily="34" charset="77"/>
-              </a:rPr>
-              <a:t> assumptions. You must assume a full regression model that generated the data (approximately), as well as a missing data mechanism.</a:t>
-            </a:r>
-          </a:p>
-          <a:p>
-            <a:pPr marL="514350" indent="-514350">
-              <a:buFont typeface="+mj-lt"/>
-              <a:buAutoNum type="arabicPeriod"/>
-            </a:pPr>
-            <a:r>
-              <a:rPr lang="en-US" sz="3600" dirty="0">
-                <a:latin typeface="Gill Sans MT" panose="020B0502020104020203" pitchFamily="34" charset="77"/>
-              </a:rPr>
-              <a:t>Power calculations are often based upon scenarios far simpler than the actual dataset you will collect.</a:t>
-            </a:r>
-          </a:p>
-          <a:p>
-            <a:pPr marL="514350" indent="-514350">
-              <a:buFont typeface="+mj-lt"/>
-              <a:buAutoNum type="arabicPeriod"/>
-            </a:pPr>
-            <a:r>
-              <a:rPr lang="en-US" sz="3600" dirty="0">
-                <a:latin typeface="Gill Sans MT" panose="020B0502020104020203" pitchFamily="34" charset="77"/>
-              </a:rPr>
-              <a:t>Power calculations tend to be optimistic because you have limited resources for your grant submission.</a:t>
-            </a:r>
-          </a:p>
-        </p:txBody>
-      </p:sp>
-    </p:spTree>
-    <p:extLst>
-      <p:ext uri="{BB962C8B-B14F-4D97-AF65-F5344CB8AC3E}">
-        <p14:creationId xmlns:p14="http://schemas.microsoft.com/office/powerpoint/2010/main" val="1965077473"/>
-      </p:ext>
-    </p:extLst>
-  </p:cSld>
-  <p:clrMapOvr>
-    <a:masterClrMapping/>
-  </p:clrMapOvr>
-</p:sld>
-</file>
-
 <file path=ppt/slides/slide7.xml><?xml version="1.0" encoding="utf-8"?>
 <p:sld xmlns:a="http://schemas.openxmlformats.org/drawingml/2006/main" xmlns:r="http://schemas.openxmlformats.org/officeDocument/2006/relationships" xmlns:p="http://schemas.openxmlformats.org/presentationml/2006/main">
   <p:cSld>
@@ -4485,126 +5041,77 @@
           <a:chExt cx="0" cy="0"/>
         </a:xfrm>
       </p:grpSpPr>
-      <p:pic>
-        <p:nvPicPr>
-          <p:cNvPr id="5" name="Picture 4" descr="Chart, histogram&#10;&#10;Description automatically generated">
-            <a:extLst>
-              <a:ext uri="{FF2B5EF4-FFF2-40B4-BE49-F238E27FC236}">
-                <a16:creationId xmlns:a16="http://schemas.microsoft.com/office/drawing/2014/main" id="{1794AE7B-140A-AA4E-ADB9-E942802CE00A}"/>
-              </a:ext>
-            </a:extLst>
-          </p:cNvPr>
-          <p:cNvPicPr>
-            <a:picLocks noChangeAspect="1"/>
-          </p:cNvPicPr>
-          <p:nvPr/>
-        </p:nvPicPr>
-        <p:blipFill>
-          <a:blip r:embed="rId2"/>
-          <a:stretch>
-            <a:fillRect/>
-          </a:stretch>
-        </p:blipFill>
-        <p:spPr>
-          <a:xfrm>
-            <a:off x="0" y="1467584"/>
-            <a:ext cx="12192000" cy="4095825"/>
-          </a:xfrm>
-          <a:prstGeom prst="rect">
-            <a:avLst/>
-          </a:prstGeom>
-        </p:spPr>
-      </p:pic>
-      <p:sp>
-        <p:nvSpPr>
-          <p:cNvPr id="6" name="TextBox 5">
-            <a:extLst>
-              <a:ext uri="{FF2B5EF4-FFF2-40B4-BE49-F238E27FC236}">
-                <a16:creationId xmlns:a16="http://schemas.microsoft.com/office/drawing/2014/main" id="{463150A1-068A-674F-8E31-DBCA6371F997}"/>
-              </a:ext>
-            </a:extLst>
-          </p:cNvPr>
-          <p:cNvSpPr txBox="1"/>
-          <p:nvPr/>
-        </p:nvSpPr>
-        <p:spPr>
-          <a:xfrm>
-            <a:off x="0" y="5708822"/>
-            <a:ext cx="11022227" cy="954107"/>
-          </a:xfrm>
-          <a:prstGeom prst="rect">
-            <a:avLst/>
-          </a:prstGeom>
-          <a:noFill/>
-        </p:spPr>
-        <p:txBody>
-          <a:bodyPr wrap="square" rtlCol="0">
-            <a:spAutoFit/>
+      <p:sp>
+        <p:nvSpPr>
+          <p:cNvPr id="2" name="Title 1">
+            <a:extLst>
+              <a:ext uri="{FF2B5EF4-FFF2-40B4-BE49-F238E27FC236}">
+                <a16:creationId xmlns:a16="http://schemas.microsoft.com/office/drawing/2014/main" id="{00AE576F-68E0-E544-9B7D-FA3FCB756F26}"/>
+              </a:ext>
+            </a:extLst>
+          </p:cNvPr>
+          <p:cNvSpPr>
+            <a:spLocks noGrp="1"/>
+          </p:cNvSpPr>
+          <p:nvPr>
+            <p:ph type="title"/>
+          </p:nvPr>
+        </p:nvSpPr>
+        <p:spPr/>
+        <p:txBody>
+          <a:bodyPr>
+            <a:normAutofit/>
           </a:bodyPr>
           <a:lstStyle/>
           <a:p>
             <a:r>
-              <a:rPr lang="en-US" sz="2800" dirty="0">
+              <a:rPr lang="en-US" sz="7200" dirty="0">
                 <a:latin typeface="Gill Sans MT" panose="020B0502020104020203" pitchFamily="34" charset="77"/>
               </a:rPr>
-              <a:t>Probability of estimating the treatment to be negative/harmful: </a:t>
-            </a:r>
-            <a:r>
-              <a:rPr lang="en-US" sz="2800" b="1" dirty="0">
+              <a:t>Increasing power activity</a:t>
+            </a:r>
+          </a:p>
+        </p:txBody>
+      </p:sp>
+      <p:sp>
+        <p:nvSpPr>
+          <p:cNvPr id="3" name="Content Placeholder 2">
+            <a:extLst>
+              <a:ext uri="{FF2B5EF4-FFF2-40B4-BE49-F238E27FC236}">
+                <a16:creationId xmlns:a16="http://schemas.microsoft.com/office/drawing/2014/main" id="{F3735733-D4C2-5A43-AFCC-EFF1D4626224}"/>
+              </a:ext>
+            </a:extLst>
+          </p:cNvPr>
+          <p:cNvSpPr>
+            <a:spLocks noGrp="1"/>
+          </p:cNvSpPr>
+          <p:nvPr>
+            <p:ph idx="1"/>
+          </p:nvPr>
+        </p:nvSpPr>
+        <p:spPr/>
+        <p:txBody>
+          <a:bodyPr>
+            <a:normAutofit/>
+          </a:bodyPr>
+          <a:lstStyle/>
+          <a:p>
+            <a:pPr marL="0" indent="0">
+              <a:buNone/>
+            </a:pPr>
+            <a:endParaRPr lang="en-US" sz="4800" dirty="0">
+              <a:latin typeface="Gill Sans MT" panose="020B0502020104020203" pitchFamily="34" charset="77"/>
+            </a:endParaRPr>
+          </a:p>
+          <a:p>
+            <a:pPr marL="0" indent="0">
+              <a:buNone/>
+            </a:pPr>
+            <a:r>
+              <a:rPr lang="en-US" sz="4800" dirty="0">
                 <a:latin typeface="Gill Sans MT" panose="020B0502020104020203" pitchFamily="34" charset="77"/>
               </a:rPr>
-              <a:t>0.042</a:t>
-            </a:r>
-          </a:p>
-          <a:p>
-            <a:r>
-              <a:rPr lang="en-US" sz="2800" dirty="0">
-                <a:latin typeface="Gill Sans MT" panose="020B0502020104020203" pitchFamily="34" charset="77"/>
-              </a:rPr>
-              <a:t>Probability of estimating that the treatment is twice as good as it is: </a:t>
-            </a:r>
-            <a:r>
-              <a:rPr lang="en-US" sz="2800" b="1" dirty="0">
-                <a:latin typeface="Gill Sans MT" panose="020B0502020104020203" pitchFamily="34" charset="77"/>
-              </a:rPr>
-              <a:t>0.046</a:t>
-            </a:r>
-          </a:p>
-        </p:txBody>
-      </p:sp>
-      <p:sp>
-        <p:nvSpPr>
-          <p:cNvPr id="7" name="TextBox 6">
-            <a:extLst>
-              <a:ext uri="{FF2B5EF4-FFF2-40B4-BE49-F238E27FC236}">
-                <a16:creationId xmlns:a16="http://schemas.microsoft.com/office/drawing/2014/main" id="{395B4CF6-F2AF-7345-9736-F34BD445F173}"/>
-              </a:ext>
-            </a:extLst>
-          </p:cNvPr>
-          <p:cNvSpPr txBox="1"/>
-          <p:nvPr/>
-        </p:nvSpPr>
-        <p:spPr>
-          <a:xfrm>
-            <a:off x="0" y="0"/>
-            <a:ext cx="12192000" cy="1077218"/>
-          </a:xfrm>
-          <a:prstGeom prst="rect">
-            <a:avLst/>
-          </a:prstGeom>
-          <a:noFill/>
-        </p:spPr>
-        <p:txBody>
-          <a:bodyPr wrap="square" rtlCol="0">
-            <a:spAutoFit/>
-          </a:bodyPr>
-          <a:lstStyle/>
-          <a:p>
-            <a:r>
-              <a:rPr lang="en-US" sz="3200" dirty="0">
-                <a:latin typeface="Gill Sans MT" panose="020B0502020104020203" pitchFamily="34" charset="77"/>
-              </a:rPr>
-              <a:t>Simulation of a t-test example. Sample size of 100, variance in outcome of 50, mean difference of 2.5 for treatment compared to placebo</a:t>
+              <a:t>Using the diagram, list 3 ways to increase power besides increasing the sample size.</a:t>
             </a:r>
           </a:p>
         </p:txBody>
@@ -4612,7 +5119,7 @@
     </p:spTree>
     <p:extLst>
       <p:ext uri="{BB962C8B-B14F-4D97-AF65-F5344CB8AC3E}">
-        <p14:creationId xmlns:p14="http://schemas.microsoft.com/office/powerpoint/2010/main" val="2707473711"/>
+        <p14:creationId xmlns:p14="http://schemas.microsoft.com/office/powerpoint/2010/main" val="1501642068"/>
       </p:ext>
     </p:extLst>
   </p:cSld>
@@ -4644,7 +5151,7 @@
           <p:cNvPr id="2" name="Title 1">
             <a:extLst>
               <a:ext uri="{FF2B5EF4-FFF2-40B4-BE49-F238E27FC236}">
-                <a16:creationId xmlns:a16="http://schemas.microsoft.com/office/drawing/2014/main" id="{BFF11009-D783-4B43-A91D-C8B44838D193}"/>
+                <a16:creationId xmlns:a16="http://schemas.microsoft.com/office/drawing/2014/main" id="{CD36C401-B37E-3D49-9210-B632CB2DDE6E}"/>
               </a:ext>
             </a:extLst>
           </p:cNvPr>
@@ -4657,102 +5164,21 @@
         </p:nvSpPr>
         <p:spPr>
           <a:xfrm>
-            <a:off x="838200" y="0"/>
-            <a:ext cx="10515600" cy="1325563"/>
+            <a:off x="0" y="0"/>
+            <a:ext cx="12192000" cy="6858000"/>
           </a:xfrm>
         </p:spPr>
         <p:txBody>
-          <a:bodyPr/>
-          <a:lstStyle/>
-          <a:p>
-            <a:r>
-              <a:rPr lang="en-US" dirty="0">
+          <a:bodyPr>
+            <a:noAutofit/>
+          </a:bodyPr>
+          <a:lstStyle/>
+          <a:p>
+            <a:r>
+              <a:rPr lang="en-US" sz="7200" dirty="0">
                 <a:latin typeface="Gill Sans MT" panose="020B0502020104020203" pitchFamily="34" charset="77"/>
               </a:rPr>
-              <a:t>Calculating power activity</a:t>
-            </a:r>
-          </a:p>
-        </p:txBody>
-      </p:sp>
-      <p:sp>
-        <p:nvSpPr>
-          <p:cNvPr id="3" name="Content Placeholder 2">
-            <a:extLst>
-              <a:ext uri="{FF2B5EF4-FFF2-40B4-BE49-F238E27FC236}">
-                <a16:creationId xmlns:a16="http://schemas.microsoft.com/office/drawing/2014/main" id="{E792EC3A-1504-B049-8948-6953DE1DD68F}"/>
-              </a:ext>
-            </a:extLst>
-          </p:cNvPr>
-          <p:cNvSpPr>
-            <a:spLocks noGrp="1"/>
-          </p:cNvSpPr>
-          <p:nvPr>
-            <p:ph idx="1"/>
-          </p:nvPr>
-        </p:nvSpPr>
-        <p:spPr>
-          <a:xfrm>
-            <a:off x="0" y="1253331"/>
-            <a:ext cx="12192000" cy="5604669"/>
-          </a:xfrm>
-        </p:spPr>
-        <p:txBody>
-          <a:bodyPr>
-            <a:normAutofit fontScale="92500" lnSpcReduction="10000"/>
-          </a:bodyPr>
-          <a:lstStyle/>
-          <a:p>
-            <a:pPr marL="0" indent="0">
-              <a:buNone/>
-            </a:pPr>
-            <a:r>
-              <a:rPr lang="en-US" dirty="0">
-                <a:latin typeface="Gill Sans MT" panose="020B0502020104020203" pitchFamily="34" charset="77"/>
-              </a:rPr>
-              <a:t>You are designing a study of a new chemotherapy treatment compared to standard therapy. Your outcome of interest is percent change in tumor size after 3 months of therapy. You expect a 10% reduction in tumor size with the standard therapy, as well as </a:t>
-            </a:r>
-            <a:r>
-              <a:rPr lang="en-US">
-                <a:latin typeface="Gill Sans MT" panose="020B0502020104020203" pitchFamily="34" charset="77"/>
-              </a:rPr>
-              <a:t>a 15% </a:t>
-            </a:r>
-            <a:r>
-              <a:rPr lang="en-US" dirty="0">
-                <a:latin typeface="Gill Sans MT" panose="020B0502020104020203" pitchFamily="34" charset="77"/>
-              </a:rPr>
-              <a:t>reduction in size with the new therapy. You also know that participant sex and age are important predictors of tumor size reduction. Women are expected to have 2.5% reduction in tumor size compared to men, regardless of treatment received. Also, for every 1 year increase in age, tumor size is expected to grow by 0.01%. For this particular cancer, 10% of the population are men and the mean and standard deviation of age are 62 and 3, respectively. You plan to perform 1:1 randomization of </a:t>
-            </a:r>
-            <a:r>
-              <a:rPr lang="en-US" dirty="0" err="1">
-                <a:latin typeface="Gill Sans MT" panose="020B0502020104020203" pitchFamily="34" charset="77"/>
-              </a:rPr>
-              <a:t>treatment:control</a:t>
-            </a:r>
-            <a:r>
-              <a:rPr lang="en-US" dirty="0">
-                <a:latin typeface="Gill Sans MT" panose="020B0502020104020203" pitchFamily="34" charset="77"/>
-              </a:rPr>
-              <a:t>. The variance in reduction in tumor size after 3 months is 10%, after accounting for treatment, sex, and age.</a:t>
-            </a:r>
-          </a:p>
-          <a:p>
-            <a:pPr marL="0" indent="0">
-              <a:buNone/>
-            </a:pPr>
-            <a:endParaRPr lang="en-US" dirty="0">
-              <a:latin typeface="Gill Sans MT" panose="020B0502020104020203" pitchFamily="34" charset="77"/>
-            </a:endParaRPr>
-          </a:p>
-          <a:p>
-            <a:pPr marL="0" indent="0">
-              <a:buNone/>
-            </a:pPr>
-            <a:r>
-              <a:rPr lang="en-US" dirty="0">
-                <a:latin typeface="Gill Sans MT" panose="020B0502020104020203" pitchFamily="34" charset="77"/>
-              </a:rPr>
-              <a:t>Through trial and error, find the approximate number of participants you need to achieve 90% power to reject the null hypothesis that the tumor reduction is the same in the new chemotherapy and standard therapy groups. Write 3 sentences you would put in a grant application to describe your power calculation.</a:t>
+              <a:t>You can estimate how often this happens using derived equations, or by simulating the experiment many times and calculating how often you reject the null hypothesis.</a:t>
             </a:r>
           </a:p>
         </p:txBody>
@@ -4760,7 +5186,7 @@
     </p:spTree>
     <p:extLst>
       <p:ext uri="{BB962C8B-B14F-4D97-AF65-F5344CB8AC3E}">
-        <p14:creationId xmlns:p14="http://schemas.microsoft.com/office/powerpoint/2010/main" val="3226418307"/>
+        <p14:creationId xmlns:p14="http://schemas.microsoft.com/office/powerpoint/2010/main" val="2484549415"/>
       </p:ext>
     </p:extLst>
   </p:cSld>
@@ -4789,29 +5215,29 @@
       </p:grpSpPr>
       <p:sp>
         <p:nvSpPr>
-          <p:cNvPr id="4" name="TextBox 3">
-            <a:extLst>
-              <a:ext uri="{FF2B5EF4-FFF2-40B4-BE49-F238E27FC236}">
-                <a16:creationId xmlns:a16="http://schemas.microsoft.com/office/drawing/2014/main" id="{56058FB1-F53A-A042-BFD8-CA0AE131D3A1}"/>
-              </a:ext>
-            </a:extLst>
-          </p:cNvPr>
-          <p:cNvSpPr txBox="1"/>
-          <p:nvPr/>
+          <p:cNvPr id="2" name="Title 1">
+            <a:extLst>
+              <a:ext uri="{FF2B5EF4-FFF2-40B4-BE49-F238E27FC236}">
+                <a16:creationId xmlns:a16="http://schemas.microsoft.com/office/drawing/2014/main" id="{6DD9D810-6F63-3946-84AF-73B57C777867}"/>
+              </a:ext>
+            </a:extLst>
+          </p:cNvPr>
+          <p:cNvSpPr>
+            <a:spLocks noGrp="1"/>
+          </p:cNvSpPr>
+          <p:nvPr>
+            <p:ph type="title"/>
+          </p:nvPr>
         </p:nvSpPr>
         <p:spPr>
           <a:xfrm>
-            <a:off x="0" y="357353"/>
-            <a:ext cx="12192000" cy="4524315"/>
+            <a:off x="0" y="365125"/>
+            <a:ext cx="12192000" cy="1325563"/>
           </a:xfrm>
-          <a:prstGeom prst="rect">
-            <a:avLst/>
-          </a:prstGeom>
-          <a:noFill/>
         </p:spPr>
         <p:txBody>
-          <a:bodyPr wrap="square" rtlCol="0">
-            <a:spAutoFit/>
+          <a:bodyPr>
+            <a:normAutofit/>
           </a:bodyPr>
           <a:lstStyle/>
           <a:p>
@@ -4819,20 +5245,105 @@
               <a:rPr lang="en-US" sz="7200" dirty="0">
                 <a:latin typeface="Gill Sans MT" panose="020B0502020104020203" pitchFamily="34" charset="77"/>
               </a:rPr>
-              <a:t>“Plans are worthless, but planning is everything.” </a:t>
-            </a:r>
-          </a:p>
-          <a:p>
-            <a:endParaRPr lang="en-US" sz="7200" dirty="0">
+              <a:t>Limitations of power</a:t>
+            </a:r>
+          </a:p>
+        </p:txBody>
+      </p:sp>
+      <p:sp>
+        <p:nvSpPr>
+          <p:cNvPr id="3" name="Content Placeholder 2">
+            <a:extLst>
+              <a:ext uri="{FF2B5EF4-FFF2-40B4-BE49-F238E27FC236}">
+                <a16:creationId xmlns:a16="http://schemas.microsoft.com/office/drawing/2014/main" id="{858CC951-1906-1F44-A8FA-62B3D656FE65}"/>
+              </a:ext>
+            </a:extLst>
+          </p:cNvPr>
+          <p:cNvSpPr>
+            <a:spLocks noGrp="1"/>
+          </p:cNvSpPr>
+          <p:nvPr>
+            <p:ph idx="1"/>
+          </p:nvPr>
+        </p:nvSpPr>
+        <p:spPr>
+          <a:xfrm>
+            <a:off x="-1" y="1825624"/>
+            <a:ext cx="12191999" cy="5032375"/>
+          </a:xfrm>
+        </p:spPr>
+        <p:txBody>
+          <a:bodyPr>
+            <a:noAutofit/>
+          </a:bodyPr>
+          <a:lstStyle/>
+          <a:p>
+            <a:pPr marL="514350" indent="-514350">
+              <a:buFont typeface="+mj-lt"/>
+              <a:buAutoNum type="arabicPeriod"/>
+            </a:pPr>
+            <a:r>
+              <a:rPr lang="en-US" sz="3600" dirty="0">
+                <a:latin typeface="Gill Sans MT" panose="020B0502020104020203" pitchFamily="34" charset="77"/>
+              </a:rPr>
+              <a:t>A type 2 error / false negative is one of only several ways you can be wrong. (</a:t>
+            </a:r>
+            <a:r>
+              <a:rPr lang="en-US" sz="3600" i="1" dirty="0">
+                <a:latin typeface="Gill Sans MT" panose="020B0502020104020203" pitchFamily="34" charset="77"/>
+              </a:rPr>
+              <a:t>Poll)</a:t>
+            </a:r>
+            <a:endParaRPr lang="en-US" sz="3600" dirty="0">
               <a:latin typeface="Gill Sans MT" panose="020B0502020104020203" pitchFamily="34" charset="77"/>
             </a:endParaRPr>
           </a:p>
           <a:p>
-            <a:r>
-              <a:rPr lang="en-US" sz="7200" dirty="0">
+            <a:pPr marL="514350" indent="-514350">
+              <a:buFont typeface="+mj-lt"/>
+              <a:buAutoNum type="arabicPeriod"/>
+            </a:pPr>
+            <a:r>
+              <a:rPr lang="en-US" sz="3600" dirty="0">
                 <a:latin typeface="Gill Sans MT" panose="020B0502020104020203" pitchFamily="34" charset="77"/>
               </a:rPr>
-              <a:t>-- President Eisenhower</a:t>
+              <a:t>A given power calculation relies on many </a:t>
+            </a:r>
+            <a:r>
+              <a:rPr lang="en-US" sz="3600" i="1" dirty="0">
+                <a:latin typeface="Gill Sans MT" panose="020B0502020104020203" pitchFamily="34" charset="77"/>
+              </a:rPr>
+              <a:t>specific</a:t>
+            </a:r>
+            <a:r>
+              <a:rPr lang="en-US" sz="3600" dirty="0">
+                <a:latin typeface="Gill Sans MT" panose="020B0502020104020203" pitchFamily="34" charset="77"/>
+              </a:rPr>
+              <a:t> assumptions. You must assume a full regression model that generated the data (approximately), as well as a missing data mechanism.</a:t>
+            </a:r>
+          </a:p>
+          <a:p>
+            <a:pPr marL="514350" indent="-514350">
+              <a:buFont typeface="+mj-lt"/>
+              <a:buAutoNum type="arabicPeriod"/>
+            </a:pPr>
+            <a:r>
+              <a:rPr lang="en-US" sz="3600" dirty="0">
+                <a:latin typeface="Gill Sans MT" panose="020B0502020104020203" pitchFamily="34" charset="77"/>
+              </a:rPr>
+              <a:t>Power calculations are often based upon scenarios far simpler than the actual dataset you will collect.</a:t>
+            </a:r>
+          </a:p>
+          <a:p>
+            <a:pPr marL="514350" indent="-514350">
+              <a:buFont typeface="+mj-lt"/>
+              <a:buAutoNum type="arabicPeriod"/>
+            </a:pPr>
+            <a:r>
+              <a:rPr lang="en-US" sz="3600" dirty="0">
+                <a:latin typeface="Gill Sans MT" panose="020B0502020104020203" pitchFamily="34" charset="77"/>
+              </a:rPr>
+              <a:t>Power calculations tend to be optimistic because you have limited resources for your grant submission.</a:t>
             </a:r>
           </a:p>
         </p:txBody>
@@ -4840,7 +5351,7 @@
     </p:spTree>
     <p:extLst>
       <p:ext uri="{BB962C8B-B14F-4D97-AF65-F5344CB8AC3E}">
-        <p14:creationId xmlns:p14="http://schemas.microsoft.com/office/powerpoint/2010/main" val="2705623442"/>
+        <p14:creationId xmlns:p14="http://schemas.microsoft.com/office/powerpoint/2010/main" val="1965077473"/>
       </p:ext>
     </p:extLst>
   </p:cSld>
